--- a/Starcounter/usa.pptx
+++ b/Starcounter/usa.pptx
@@ -24,12 +24,15 @@
     <p:sldId id="272" r:id="rId18"/>
     <p:sldId id="273" r:id="rId19"/>
     <p:sldId id="271" r:id="rId20"/>
-    <p:sldId id="269" r:id="rId21"/>
-    <p:sldId id="281" r:id="rId22"/>
-    <p:sldId id="280" r:id="rId23"/>
-    <p:sldId id="278" r:id="rId24"/>
-    <p:sldId id="262" r:id="rId25"/>
-    <p:sldId id="284" r:id="rId26"/>
+    <p:sldId id="286" r:id="rId21"/>
+    <p:sldId id="287" r:id="rId22"/>
+    <p:sldId id="288" r:id="rId23"/>
+    <p:sldId id="269" r:id="rId24"/>
+    <p:sldId id="281" r:id="rId25"/>
+    <p:sldId id="280" r:id="rId26"/>
+    <p:sldId id="278" r:id="rId27"/>
+    <p:sldId id="262" r:id="rId28"/>
+    <p:sldId id="284" r:id="rId29"/>
   </p:sldIdLst>
   <p:sldSz cx="12192000" cy="6858000"/>
   <p:notesSz cx="6858000" cy="9144000"/>
@@ -2379,7 +2382,7 @@
           <a:p>
             <a:fld id="{E41A223E-EFA9-46CD-9A40-B396BA79062B}" type="datetimeFigureOut">
               <a:rPr lang="sv-SE" smtClean="0"/>
-              <a:t>2017-09-26</a:t>
+              <a:t>2017-09-27</a:t>
             </a:fld>
             <a:endParaRPr lang="sv-SE"/>
           </a:p>
@@ -2549,7 +2552,7 @@
           <a:p>
             <a:fld id="{E41A223E-EFA9-46CD-9A40-B396BA79062B}" type="datetimeFigureOut">
               <a:rPr lang="sv-SE" smtClean="0"/>
-              <a:t>2017-09-26</a:t>
+              <a:t>2017-09-27</a:t>
             </a:fld>
             <a:endParaRPr lang="sv-SE"/>
           </a:p>
@@ -2729,7 +2732,7 @@
           <a:p>
             <a:fld id="{E41A223E-EFA9-46CD-9A40-B396BA79062B}" type="datetimeFigureOut">
               <a:rPr lang="sv-SE" smtClean="0"/>
-              <a:t>2017-09-26</a:t>
+              <a:t>2017-09-27</a:t>
             </a:fld>
             <a:endParaRPr lang="sv-SE"/>
           </a:p>
@@ -2899,7 +2902,7 @@
           <a:p>
             <a:fld id="{E41A223E-EFA9-46CD-9A40-B396BA79062B}" type="datetimeFigureOut">
               <a:rPr lang="sv-SE" smtClean="0"/>
-              <a:t>2017-09-26</a:t>
+              <a:t>2017-09-27</a:t>
             </a:fld>
             <a:endParaRPr lang="sv-SE"/>
           </a:p>
@@ -3145,7 +3148,7 @@
           <a:p>
             <a:fld id="{E41A223E-EFA9-46CD-9A40-B396BA79062B}" type="datetimeFigureOut">
               <a:rPr lang="sv-SE" smtClean="0"/>
-              <a:t>2017-09-26</a:t>
+              <a:t>2017-09-27</a:t>
             </a:fld>
             <a:endParaRPr lang="sv-SE"/>
           </a:p>
@@ -3377,7 +3380,7 @@
           <a:p>
             <a:fld id="{E41A223E-EFA9-46CD-9A40-B396BA79062B}" type="datetimeFigureOut">
               <a:rPr lang="sv-SE" smtClean="0"/>
-              <a:t>2017-09-26</a:t>
+              <a:t>2017-09-27</a:t>
             </a:fld>
             <a:endParaRPr lang="sv-SE"/>
           </a:p>
@@ -3744,7 +3747,7 @@
           <a:p>
             <a:fld id="{E41A223E-EFA9-46CD-9A40-B396BA79062B}" type="datetimeFigureOut">
               <a:rPr lang="sv-SE" smtClean="0"/>
-              <a:t>2017-09-26</a:t>
+              <a:t>2017-09-27</a:t>
             </a:fld>
             <a:endParaRPr lang="sv-SE"/>
           </a:p>
@@ -3862,7 +3865,7 @@
           <a:p>
             <a:fld id="{E41A223E-EFA9-46CD-9A40-B396BA79062B}" type="datetimeFigureOut">
               <a:rPr lang="sv-SE" smtClean="0"/>
-              <a:t>2017-09-26</a:t>
+              <a:t>2017-09-27</a:t>
             </a:fld>
             <a:endParaRPr lang="sv-SE"/>
           </a:p>
@@ -3957,7 +3960,7 @@
           <a:p>
             <a:fld id="{E41A223E-EFA9-46CD-9A40-B396BA79062B}" type="datetimeFigureOut">
               <a:rPr lang="sv-SE" smtClean="0"/>
-              <a:t>2017-09-26</a:t>
+              <a:t>2017-09-27</a:t>
             </a:fld>
             <a:endParaRPr lang="sv-SE"/>
           </a:p>
@@ -4234,7 +4237,7 @@
           <a:p>
             <a:fld id="{E41A223E-EFA9-46CD-9A40-B396BA79062B}" type="datetimeFigureOut">
               <a:rPr lang="sv-SE" smtClean="0"/>
-              <a:t>2017-09-26</a:t>
+              <a:t>2017-09-27</a:t>
             </a:fld>
             <a:endParaRPr lang="sv-SE"/>
           </a:p>
@@ -4491,7 +4494,7 @@
           <a:p>
             <a:fld id="{E41A223E-EFA9-46CD-9A40-B396BA79062B}" type="datetimeFigureOut">
               <a:rPr lang="sv-SE" smtClean="0"/>
-              <a:t>2017-09-26</a:t>
+              <a:t>2017-09-27</a:t>
             </a:fld>
             <a:endParaRPr lang="sv-SE"/>
           </a:p>
@@ -4707,7 +4710,7 @@
           <a:p>
             <a:fld id="{E41A223E-EFA9-46CD-9A40-B396BA79062B}" type="datetimeFigureOut">
               <a:rPr lang="sv-SE" smtClean="0"/>
-              <a:t>2017-09-26</a:t>
+              <a:t>2017-09-27</a:t>
             </a:fld>
             <a:endParaRPr lang="sv-SE"/>
           </a:p>
@@ -14321,8 +14324,8 @@
           </p:nvSpPr>
           <p:spPr>
             <a:xfrm>
-              <a:off x="3257046" y="2979356"/>
-              <a:ext cx="1498846" cy="380548"/>
+              <a:off x="3257046" y="2980220"/>
+              <a:ext cx="1498846" cy="382733"/>
             </a:xfrm>
             <a:prstGeom prst="rect">
               <a:avLst/>
@@ -14380,10 +14383,10 @@
         </p:nvGrpSpPr>
         <p:grpSpPr>
           <a:xfrm>
-            <a:off x="6180353" y="977846"/>
-            <a:ext cx="2333447" cy="761014"/>
+            <a:off x="6179593" y="978259"/>
+            <a:ext cx="2333447" cy="761768"/>
             <a:chOff x="1758200" y="2599960"/>
-            <a:chExt cx="2997692" cy="761014"/>
+            <a:chExt cx="2997692" cy="761768"/>
           </a:xfrm>
         </p:grpSpPr>
         <p:grpSp>
@@ -14542,8 +14545,8 @@
           </p:nvSpPr>
           <p:spPr>
             <a:xfrm>
-              <a:off x="3257045" y="2979355"/>
-              <a:ext cx="1498846" cy="372855"/>
+              <a:off x="3257045" y="2974902"/>
+              <a:ext cx="1498847" cy="386826"/>
             </a:xfrm>
             <a:prstGeom prst="rect">
               <a:avLst/>
@@ -22912,6 +22915,1411 @@
               <a:rPr lang="sv-SE" sz="8000" b="1" i="1" dirty="0">
                 <a:latin typeface="Lobster Two" panose="02000506000000020003" pitchFamily="50" charset="0"/>
               </a:rPr>
+              <a:t>Enabling the impossible</a:t>
+            </a:r>
+          </a:p>
+        </p:txBody>
+      </p:sp>
+    </p:spTree>
+    <p:extLst>
+      <p:ext uri="{BB962C8B-B14F-4D97-AF65-F5344CB8AC3E}">
+        <p14:creationId xmlns:p14="http://schemas.microsoft.com/office/powerpoint/2010/main" val="2810491034"/>
+      </p:ext>
+    </p:extLst>
+  </p:cSld>
+  <p:clrMapOvr>
+    <a:masterClrMapping/>
+  </p:clrMapOvr>
+</p:sld>
+</file>
+
+<file path=ppt/slides/slide21.xml><?xml version="1.0" encoding="utf-8"?>
+<p:sld xmlns:a="http://schemas.openxmlformats.org/drawingml/2006/main" xmlns:r="http://schemas.openxmlformats.org/officeDocument/2006/relationships" xmlns:p="http://schemas.openxmlformats.org/presentationml/2006/main">
+  <p:cSld>
+    <p:spTree>
+      <p:nvGrpSpPr>
+        <p:cNvPr id="1" name=""/>
+        <p:cNvGrpSpPr/>
+        <p:nvPr/>
+      </p:nvGrpSpPr>
+      <p:grpSpPr>
+        <a:xfrm>
+          <a:off x="0" y="0"/>
+          <a:ext cx="0" cy="0"/>
+          <a:chOff x="0" y="0"/>
+          <a:chExt cx="0" cy="0"/>
+        </a:xfrm>
+      </p:grpSpPr>
+      <p:sp>
+        <p:nvSpPr>
+          <p:cNvPr id="41" name="Title 1">
+            <a:extLst>
+              <a:ext uri="{FF2B5EF4-FFF2-40B4-BE49-F238E27FC236}">
+                <a16:creationId xmlns:a16="http://schemas.microsoft.com/office/drawing/2014/main" id="{1117A615-A566-4F79-97FB-572F0C171F41}"/>
+              </a:ext>
+            </a:extLst>
+          </p:cNvPr>
+          <p:cNvSpPr>
+            <a:spLocks noGrp="1"/>
+          </p:cNvSpPr>
+          <p:nvPr>
+            <p:ph type="title"/>
+          </p:nvPr>
+        </p:nvSpPr>
+        <p:spPr>
+          <a:xfrm>
+            <a:off x="838200" y="365125"/>
+            <a:ext cx="10515600" cy="1325563"/>
+          </a:xfrm>
+        </p:spPr>
+        <p:txBody>
+          <a:bodyPr/>
+          <a:lstStyle/>
+          <a:p>
+            <a:r>
+              <a:rPr lang="sv-SE" b="1" dirty="0"/>
+              <a:t>O/R mapper – Object Graphs</a:t>
+            </a:r>
+          </a:p>
+        </p:txBody>
+      </p:sp>
+      <p:grpSp>
+        <p:nvGrpSpPr>
+          <p:cNvPr id="50" name="Group 49">
+            <a:extLst>
+              <a:ext uri="{FF2B5EF4-FFF2-40B4-BE49-F238E27FC236}">
+                <a16:creationId xmlns:a16="http://schemas.microsoft.com/office/drawing/2014/main" id="{FF22FA32-7A05-4575-9A50-4E2044806709}"/>
+              </a:ext>
+            </a:extLst>
+          </p:cNvPr>
+          <p:cNvGrpSpPr/>
+          <p:nvPr/>
+        </p:nvGrpSpPr>
+        <p:grpSpPr>
+          <a:xfrm>
+            <a:off x="1857059" y="1961570"/>
+            <a:ext cx="8477882" cy="1391228"/>
+            <a:chOff x="1821363" y="2429656"/>
+            <a:chExt cx="8477882" cy="1391228"/>
+          </a:xfrm>
+        </p:grpSpPr>
+        <p:sp>
+          <p:nvSpPr>
+            <p:cNvPr id="51" name="Rectangle: Top Corners Rounded 79">
+              <a:extLst>
+                <a:ext uri="{FF2B5EF4-FFF2-40B4-BE49-F238E27FC236}">
+                  <a16:creationId xmlns:a16="http://schemas.microsoft.com/office/drawing/2014/main" id="{760625EC-89D8-43C8-A3C1-6B78A8264FD3}"/>
+                </a:ext>
+              </a:extLst>
+            </p:cNvPr>
+            <p:cNvSpPr/>
+            <p:nvPr/>
+          </p:nvSpPr>
+          <p:spPr>
+            <a:xfrm>
+              <a:off x="4113458" y="2429657"/>
+              <a:ext cx="1528063" cy="1391227"/>
+            </a:xfrm>
+            <a:prstGeom prst="rect">
+              <a:avLst/>
+            </a:prstGeom>
+            <a:solidFill>
+              <a:srgbClr val="05CFFF"/>
+            </a:solidFill>
+            <a:ln w="19050">
+              <a:noFill/>
+            </a:ln>
+          </p:spPr>
+          <p:style>
+            <a:lnRef idx="2">
+              <a:schemeClr val="accent1">
+                <a:shade val="50000"/>
+              </a:schemeClr>
+            </a:lnRef>
+            <a:fillRef idx="1">
+              <a:schemeClr val="accent1"/>
+            </a:fillRef>
+            <a:effectRef idx="0">
+              <a:schemeClr val="accent1"/>
+            </a:effectRef>
+            <a:fontRef idx="minor">
+              <a:schemeClr val="lt1"/>
+            </a:fontRef>
+          </p:style>
+          <p:txBody>
+            <a:bodyPr rtlCol="0" anchor="ctr"/>
+            <a:lstStyle/>
+            <a:p>
+              <a:pPr algn="ctr"/>
+              <a:r>
+                <a:rPr lang="sv-SE" b="1" dirty="0">
+                  <a:solidFill>
+                    <a:schemeClr val="tx1"/>
+                  </a:solidFill>
+                </a:rPr>
+                <a:t>Order</a:t>
+              </a:r>
+            </a:p>
+          </p:txBody>
+        </p:sp>
+        <p:sp>
+          <p:nvSpPr>
+            <p:cNvPr id="52" name="Rectangle: Top Corners Rounded 79">
+              <a:extLst>
+                <a:ext uri="{FF2B5EF4-FFF2-40B4-BE49-F238E27FC236}">
+                  <a16:creationId xmlns:a16="http://schemas.microsoft.com/office/drawing/2014/main" id="{9D3CB3FD-8537-434A-ADC1-F91B7A947DE3}"/>
+                </a:ext>
+              </a:extLst>
+            </p:cNvPr>
+            <p:cNvSpPr/>
+            <p:nvPr/>
+          </p:nvSpPr>
+          <p:spPr>
+            <a:xfrm>
+              <a:off x="6442320" y="2429656"/>
+              <a:ext cx="1528063" cy="1391227"/>
+            </a:xfrm>
+            <a:prstGeom prst="rect">
+              <a:avLst/>
+            </a:prstGeom>
+            <a:solidFill>
+              <a:srgbClr val="05CFFF"/>
+            </a:solidFill>
+            <a:ln w="19050">
+              <a:noFill/>
+            </a:ln>
+          </p:spPr>
+          <p:style>
+            <a:lnRef idx="2">
+              <a:schemeClr val="accent1">
+                <a:shade val="50000"/>
+              </a:schemeClr>
+            </a:lnRef>
+            <a:fillRef idx="1">
+              <a:schemeClr val="accent1"/>
+            </a:fillRef>
+            <a:effectRef idx="0">
+              <a:schemeClr val="accent1"/>
+            </a:effectRef>
+            <a:fontRef idx="minor">
+              <a:schemeClr val="lt1"/>
+            </a:fontRef>
+          </p:style>
+          <p:txBody>
+            <a:bodyPr rtlCol="0" anchor="ctr"/>
+            <a:lstStyle/>
+            <a:p>
+              <a:pPr algn="ctr"/>
+              <a:r>
+                <a:rPr lang="sv-SE" b="1" dirty="0">
+                  <a:solidFill>
+                    <a:schemeClr val="tx1"/>
+                  </a:solidFill>
+                </a:rPr>
+                <a:t>OrderDetail</a:t>
+              </a:r>
+            </a:p>
+          </p:txBody>
+        </p:sp>
+        <p:sp>
+          <p:nvSpPr>
+            <p:cNvPr id="53" name="Rectangle: Top Corners Rounded 79">
+              <a:extLst>
+                <a:ext uri="{FF2B5EF4-FFF2-40B4-BE49-F238E27FC236}">
+                  <a16:creationId xmlns:a16="http://schemas.microsoft.com/office/drawing/2014/main" id="{6938EC0B-E500-46F0-8381-117E8F6AB67D}"/>
+                </a:ext>
+              </a:extLst>
+            </p:cNvPr>
+            <p:cNvSpPr/>
+            <p:nvPr/>
+          </p:nvSpPr>
+          <p:spPr>
+            <a:xfrm>
+              <a:off x="8771182" y="2429656"/>
+              <a:ext cx="1528063" cy="1391227"/>
+            </a:xfrm>
+            <a:prstGeom prst="rect">
+              <a:avLst/>
+            </a:prstGeom>
+            <a:solidFill>
+              <a:srgbClr val="05CFFF"/>
+            </a:solidFill>
+            <a:ln w="19050">
+              <a:noFill/>
+            </a:ln>
+          </p:spPr>
+          <p:style>
+            <a:lnRef idx="2">
+              <a:schemeClr val="accent1">
+                <a:shade val="50000"/>
+              </a:schemeClr>
+            </a:lnRef>
+            <a:fillRef idx="1">
+              <a:schemeClr val="accent1"/>
+            </a:fillRef>
+            <a:effectRef idx="0">
+              <a:schemeClr val="accent1"/>
+            </a:effectRef>
+            <a:fontRef idx="minor">
+              <a:schemeClr val="lt1"/>
+            </a:fontRef>
+          </p:style>
+          <p:txBody>
+            <a:bodyPr rtlCol="0" anchor="ctr"/>
+            <a:lstStyle/>
+            <a:p>
+              <a:pPr algn="ctr"/>
+              <a:r>
+                <a:rPr lang="sv-SE" b="1" dirty="0">
+                  <a:solidFill>
+                    <a:schemeClr val="tx1"/>
+                  </a:solidFill>
+                </a:rPr>
+                <a:t>Product</a:t>
+              </a:r>
+            </a:p>
+          </p:txBody>
+        </p:sp>
+        <p:cxnSp>
+          <p:nvCxnSpPr>
+            <p:cNvPr id="54" name="Straight Arrow Connector 53">
+              <a:extLst>
+                <a:ext uri="{FF2B5EF4-FFF2-40B4-BE49-F238E27FC236}">
+                  <a16:creationId xmlns:a16="http://schemas.microsoft.com/office/drawing/2014/main" id="{848D2F07-D3BD-43D2-BA74-A37C058724B9}"/>
+                </a:ext>
+              </a:extLst>
+            </p:cNvPr>
+            <p:cNvCxnSpPr>
+              <a:cxnSpLocks/>
+              <a:stCxn id="51" idx="3"/>
+              <a:endCxn id="52" idx="1"/>
+            </p:cNvCxnSpPr>
+            <p:nvPr/>
+          </p:nvCxnSpPr>
+          <p:spPr>
+            <a:xfrm flipV="1">
+              <a:off x="5641521" y="3125270"/>
+              <a:ext cx="800799" cy="1"/>
+            </a:xfrm>
+            <a:prstGeom prst="straightConnector1">
+              <a:avLst/>
+            </a:prstGeom>
+            <a:ln w="50800">
+              <a:solidFill>
+                <a:srgbClr val="FF4343"/>
+              </a:solidFill>
+              <a:headEnd type="oval" w="med" len="med"/>
+              <a:tailEnd type="oval" w="med" len="med"/>
+            </a:ln>
+          </p:spPr>
+          <p:style>
+            <a:lnRef idx="1">
+              <a:schemeClr val="accent1"/>
+            </a:lnRef>
+            <a:fillRef idx="0">
+              <a:schemeClr val="accent1"/>
+            </a:fillRef>
+            <a:effectRef idx="0">
+              <a:schemeClr val="accent1"/>
+            </a:effectRef>
+            <a:fontRef idx="minor">
+              <a:schemeClr val="tx1"/>
+            </a:fontRef>
+          </p:style>
+        </p:cxnSp>
+        <p:cxnSp>
+          <p:nvCxnSpPr>
+            <p:cNvPr id="55" name="Straight Arrow Connector 54">
+              <a:extLst>
+                <a:ext uri="{FF2B5EF4-FFF2-40B4-BE49-F238E27FC236}">
+                  <a16:creationId xmlns:a16="http://schemas.microsoft.com/office/drawing/2014/main" id="{B5E11467-CE29-4113-A23E-9322BA68EC58}"/>
+                </a:ext>
+              </a:extLst>
+            </p:cNvPr>
+            <p:cNvCxnSpPr>
+              <a:cxnSpLocks/>
+              <a:stCxn id="53" idx="1"/>
+              <a:endCxn id="52" idx="3"/>
+            </p:cNvCxnSpPr>
+            <p:nvPr/>
+          </p:nvCxnSpPr>
+          <p:spPr>
+            <a:xfrm flipH="1">
+              <a:off x="7970383" y="3125270"/>
+              <a:ext cx="800799" cy="0"/>
+            </a:xfrm>
+            <a:prstGeom prst="straightConnector1">
+              <a:avLst/>
+            </a:prstGeom>
+            <a:ln w="50800">
+              <a:solidFill>
+                <a:srgbClr val="FF4343"/>
+              </a:solidFill>
+              <a:headEnd type="oval" w="med" len="med"/>
+              <a:tailEnd type="oval" w="med" len="med"/>
+            </a:ln>
+          </p:spPr>
+          <p:style>
+            <a:lnRef idx="1">
+              <a:schemeClr val="accent1"/>
+            </a:lnRef>
+            <a:fillRef idx="0">
+              <a:schemeClr val="accent1"/>
+            </a:fillRef>
+            <a:effectRef idx="0">
+              <a:schemeClr val="accent1"/>
+            </a:effectRef>
+            <a:fontRef idx="minor">
+              <a:schemeClr val="tx1"/>
+            </a:fontRef>
+          </p:style>
+        </p:cxnSp>
+        <p:sp>
+          <p:nvSpPr>
+            <p:cNvPr id="56" name="Rectangle: Top Corners Rounded 79">
+              <a:extLst>
+                <a:ext uri="{FF2B5EF4-FFF2-40B4-BE49-F238E27FC236}">
+                  <a16:creationId xmlns:a16="http://schemas.microsoft.com/office/drawing/2014/main" id="{5C5E7563-5095-4298-B83F-8AD198A88848}"/>
+                </a:ext>
+              </a:extLst>
+            </p:cNvPr>
+            <p:cNvSpPr/>
+            <p:nvPr/>
+          </p:nvSpPr>
+          <p:spPr>
+            <a:xfrm>
+              <a:off x="1821363" y="2429656"/>
+              <a:ext cx="1528063" cy="1391227"/>
+            </a:xfrm>
+            <a:prstGeom prst="rect">
+              <a:avLst/>
+            </a:prstGeom>
+            <a:solidFill>
+              <a:srgbClr val="05CFFF"/>
+            </a:solidFill>
+            <a:ln w="19050">
+              <a:noFill/>
+            </a:ln>
+          </p:spPr>
+          <p:style>
+            <a:lnRef idx="2">
+              <a:schemeClr val="accent1">
+                <a:shade val="50000"/>
+              </a:schemeClr>
+            </a:lnRef>
+            <a:fillRef idx="1">
+              <a:schemeClr val="accent1"/>
+            </a:fillRef>
+            <a:effectRef idx="0">
+              <a:schemeClr val="accent1"/>
+            </a:effectRef>
+            <a:fontRef idx="minor">
+              <a:schemeClr val="lt1"/>
+            </a:fontRef>
+          </p:style>
+          <p:txBody>
+            <a:bodyPr rtlCol="0" anchor="ctr"/>
+            <a:lstStyle/>
+            <a:p>
+              <a:pPr algn="ctr"/>
+              <a:r>
+                <a:rPr lang="sv-SE" b="1" dirty="0">
+                  <a:solidFill>
+                    <a:schemeClr val="tx1"/>
+                  </a:solidFill>
+                </a:rPr>
+                <a:t>Customer</a:t>
+              </a:r>
+            </a:p>
+          </p:txBody>
+        </p:sp>
+        <p:cxnSp>
+          <p:nvCxnSpPr>
+            <p:cNvPr id="57" name="Straight Arrow Connector 56">
+              <a:extLst>
+                <a:ext uri="{FF2B5EF4-FFF2-40B4-BE49-F238E27FC236}">
+                  <a16:creationId xmlns:a16="http://schemas.microsoft.com/office/drawing/2014/main" id="{9A9A0EE3-4E47-45C1-B7AE-AB19D1F57C2D}"/>
+                </a:ext>
+              </a:extLst>
+            </p:cNvPr>
+            <p:cNvCxnSpPr>
+              <a:cxnSpLocks/>
+              <a:stCxn id="56" idx="3"/>
+              <a:endCxn id="51" idx="1"/>
+            </p:cNvCxnSpPr>
+            <p:nvPr/>
+          </p:nvCxnSpPr>
+          <p:spPr>
+            <a:xfrm>
+              <a:off x="3349426" y="3125270"/>
+              <a:ext cx="764032" cy="1"/>
+            </a:xfrm>
+            <a:prstGeom prst="straightConnector1">
+              <a:avLst/>
+            </a:prstGeom>
+            <a:ln w="50800">
+              <a:solidFill>
+                <a:srgbClr val="FF4343"/>
+              </a:solidFill>
+              <a:headEnd type="oval" w="med" len="med"/>
+              <a:tailEnd type="oval" w="med" len="med"/>
+            </a:ln>
+          </p:spPr>
+          <p:style>
+            <a:lnRef idx="1">
+              <a:schemeClr val="accent1"/>
+            </a:lnRef>
+            <a:fillRef idx="0">
+              <a:schemeClr val="accent1"/>
+            </a:fillRef>
+            <a:effectRef idx="0">
+              <a:schemeClr val="accent1"/>
+            </a:effectRef>
+            <a:fontRef idx="minor">
+              <a:schemeClr val="tx1"/>
+            </a:fontRef>
+          </p:style>
+        </p:cxnSp>
+      </p:grpSp>
+      <p:sp>
+        <p:nvSpPr>
+          <p:cNvPr id="58" name="TextBox 57">
+            <a:extLst>
+              <a:ext uri="{FF2B5EF4-FFF2-40B4-BE49-F238E27FC236}">
+                <a16:creationId xmlns:a16="http://schemas.microsoft.com/office/drawing/2014/main" id="{7319DD49-2997-4C5E-9707-CD82271D1397}"/>
+              </a:ext>
+            </a:extLst>
+          </p:cNvPr>
+          <p:cNvSpPr txBox="1"/>
+          <p:nvPr/>
+        </p:nvSpPr>
+        <p:spPr>
+          <a:xfrm>
+            <a:off x="1857059" y="3755571"/>
+            <a:ext cx="5319341" cy="1938992"/>
+          </a:xfrm>
+          <a:prstGeom prst="rect">
+            <a:avLst/>
+          </a:prstGeom>
+          <a:noFill/>
+        </p:spPr>
+        <p:txBody>
+          <a:bodyPr wrap="none" rtlCol="0">
+            <a:spAutoFit/>
+          </a:bodyPr>
+          <a:lstStyle/>
+          <a:p>
+            <a:r>
+              <a:rPr lang="sv-SE" sz="2400" b="1" dirty="0"/>
+              <a:t>Lazy Load</a:t>
+            </a:r>
+            <a:br>
+              <a:rPr lang="sv-SE" sz="2400" dirty="0"/>
+            </a:br>
+            <a:r>
+              <a:rPr lang="sv-SE" sz="2400" dirty="0"/>
+              <a:t>Execute SQL Query per traversed relation</a:t>
+            </a:r>
+          </a:p>
+          <a:p>
+            <a:endParaRPr lang="sv-SE" sz="2400" dirty="0"/>
+          </a:p>
+          <a:p>
+            <a:r>
+              <a:rPr lang="sv-SE" sz="2400" b="1" dirty="0"/>
+              <a:t>Eager Load</a:t>
+            </a:r>
+          </a:p>
+          <a:p>
+            <a:r>
+              <a:rPr lang="sv-SE" sz="2400" dirty="0"/>
+              <a:t>Carefully defining load boundaries</a:t>
+            </a:r>
+          </a:p>
+        </p:txBody>
+      </p:sp>
+      <p:sp>
+        <p:nvSpPr>
+          <p:cNvPr id="59" name="Speech Bubble: Rectangle with Corners Rounded 58">
+            <a:extLst>
+              <a:ext uri="{FF2B5EF4-FFF2-40B4-BE49-F238E27FC236}">
+                <a16:creationId xmlns:a16="http://schemas.microsoft.com/office/drawing/2014/main" id="{A3C6C765-59DE-45B2-83DF-BD0C20F85651}"/>
+              </a:ext>
+            </a:extLst>
+          </p:cNvPr>
+          <p:cNvSpPr/>
+          <p:nvPr/>
+        </p:nvSpPr>
+        <p:spPr>
+          <a:xfrm>
+            <a:off x="7791154" y="3623679"/>
+            <a:ext cx="2543787" cy="1251858"/>
+          </a:xfrm>
+          <a:prstGeom prst="wedgeRoundRectCallout">
+            <a:avLst>
+              <a:gd name="adj1" fmla="val -74476"/>
+              <a:gd name="adj2" fmla="val -21690"/>
+              <a:gd name="adj3" fmla="val 16667"/>
+            </a:avLst>
+          </a:prstGeom>
+          <a:solidFill>
+            <a:schemeClr val="tx1"/>
+          </a:solidFill>
+          <a:ln w="38100">
+            <a:solidFill>
+              <a:srgbClr val="102B3E"/>
+            </a:solidFill>
+            <a:prstDash val="solid"/>
+          </a:ln>
+        </p:spPr>
+        <p:style>
+          <a:lnRef idx="2">
+            <a:schemeClr val="accent1">
+              <a:shade val="50000"/>
+            </a:schemeClr>
+          </a:lnRef>
+          <a:fillRef idx="1">
+            <a:schemeClr val="accent1"/>
+          </a:fillRef>
+          <a:effectRef idx="0">
+            <a:schemeClr val="accent1"/>
+          </a:effectRef>
+          <a:fontRef idx="minor">
+            <a:schemeClr val="lt1"/>
+          </a:fontRef>
+        </p:style>
+        <p:txBody>
+          <a:bodyPr rtlCol="0" anchor="ctr"/>
+          <a:lstStyle/>
+          <a:p>
+            <a:r>
+              <a:rPr lang="sv-SE" b="1" dirty="0">
+                <a:solidFill>
+                  <a:schemeClr val="bg1"/>
+                </a:solidFill>
+              </a:rPr>
+              <a:t>Ripple load,</a:t>
+            </a:r>
+          </a:p>
+          <a:p>
+            <a:r>
+              <a:rPr lang="sv-SE" b="1" dirty="0">
+                <a:solidFill>
+                  <a:schemeClr val="bg1"/>
+                </a:solidFill>
+              </a:rPr>
+              <a:t>Hundreds/Thousands of queries per view</a:t>
+            </a:r>
+          </a:p>
+        </p:txBody>
+      </p:sp>
+      <p:sp>
+        <p:nvSpPr>
+          <p:cNvPr id="60" name="Speech Bubble: Rectangle with Corners Rounded 59">
+            <a:extLst>
+              <a:ext uri="{FF2B5EF4-FFF2-40B4-BE49-F238E27FC236}">
+                <a16:creationId xmlns:a16="http://schemas.microsoft.com/office/drawing/2014/main" id="{AE43C428-93ED-4845-8325-052247958D0B}"/>
+              </a:ext>
+            </a:extLst>
+          </p:cNvPr>
+          <p:cNvSpPr/>
+          <p:nvPr/>
+        </p:nvSpPr>
+        <p:spPr>
+          <a:xfrm>
+            <a:off x="7791153" y="4936742"/>
+            <a:ext cx="2543787" cy="1251858"/>
+          </a:xfrm>
+          <a:prstGeom prst="wedgeRoundRectCallout">
+            <a:avLst>
+              <a:gd name="adj1" fmla="val -73192"/>
+              <a:gd name="adj2" fmla="val -22560"/>
+              <a:gd name="adj3" fmla="val 16667"/>
+            </a:avLst>
+          </a:prstGeom>
+          <a:solidFill>
+            <a:schemeClr val="tx1"/>
+          </a:solidFill>
+          <a:ln w="38100">
+            <a:solidFill>
+              <a:srgbClr val="102B3E"/>
+            </a:solidFill>
+            <a:prstDash val="solid"/>
+          </a:ln>
+        </p:spPr>
+        <p:style>
+          <a:lnRef idx="2">
+            <a:schemeClr val="accent1">
+              <a:shade val="50000"/>
+            </a:schemeClr>
+          </a:lnRef>
+          <a:fillRef idx="1">
+            <a:schemeClr val="accent1"/>
+          </a:fillRef>
+          <a:effectRef idx="0">
+            <a:schemeClr val="accent1"/>
+          </a:effectRef>
+          <a:fontRef idx="minor">
+            <a:schemeClr val="lt1"/>
+          </a:fontRef>
+        </p:style>
+        <p:txBody>
+          <a:bodyPr rtlCol="0" anchor="ctr"/>
+          <a:lstStyle/>
+          <a:p>
+            <a:r>
+              <a:rPr lang="sv-SE" b="1" dirty="0">
+                <a:solidFill>
+                  <a:schemeClr val="bg1"/>
+                </a:solidFill>
+              </a:rPr>
+              <a:t>Hard to maintain, inefficient joined queries</a:t>
+            </a:r>
+          </a:p>
+        </p:txBody>
+      </p:sp>
+    </p:spTree>
+    <p:extLst>
+      <p:ext uri="{BB962C8B-B14F-4D97-AF65-F5344CB8AC3E}">
+        <p14:creationId xmlns:p14="http://schemas.microsoft.com/office/powerpoint/2010/main" val="831709006"/>
+      </p:ext>
+    </p:extLst>
+  </p:cSld>
+  <p:clrMapOvr>
+    <a:masterClrMapping/>
+  </p:clrMapOvr>
+  <p:timing>
+    <p:tnLst>
+      <p:par>
+        <p:cTn id="1" dur="indefinite" restart="never" nodeType="tmRoot">
+          <p:childTnLst>
+            <p:seq concurrent="1" nextAc="seek">
+              <p:cTn id="2" dur="indefinite" nodeType="mainSeq">
+                <p:childTnLst>
+                  <p:par>
+                    <p:cTn id="3" fill="hold">
+                      <p:stCondLst>
+                        <p:cond delay="indefinite"/>
+                      </p:stCondLst>
+                      <p:childTnLst>
+                        <p:par>
+                          <p:cTn id="4" fill="hold">
+                            <p:stCondLst>
+                              <p:cond delay="0"/>
+                            </p:stCondLst>
+                            <p:childTnLst>
+                              <p:par>
+                                <p:cTn id="5" presetID="1" presetClass="entr" presetSubtype="0" fill="hold" grpId="0" nodeType="clickEffect">
+                                  <p:stCondLst>
+                                    <p:cond delay="0"/>
+                                  </p:stCondLst>
+                                  <p:childTnLst>
+                                    <p:set>
+                                      <p:cBhvr>
+                                        <p:cTn id="6" dur="1" fill="hold">
+                                          <p:stCondLst>
+                                            <p:cond delay="0"/>
+                                          </p:stCondLst>
+                                        </p:cTn>
+                                        <p:tgtEl>
+                                          <p:spTgt spid="59"/>
+                                        </p:tgtEl>
+                                        <p:attrNameLst>
+                                          <p:attrName>style.visibility</p:attrName>
+                                        </p:attrNameLst>
+                                      </p:cBhvr>
+                                      <p:to>
+                                        <p:strVal val="visible"/>
+                                      </p:to>
+                                    </p:set>
+                                  </p:childTnLst>
+                                </p:cTn>
+                              </p:par>
+                            </p:childTnLst>
+                          </p:cTn>
+                        </p:par>
+                      </p:childTnLst>
+                    </p:cTn>
+                  </p:par>
+                  <p:par>
+                    <p:cTn id="7" fill="hold">
+                      <p:stCondLst>
+                        <p:cond delay="indefinite"/>
+                      </p:stCondLst>
+                      <p:childTnLst>
+                        <p:par>
+                          <p:cTn id="8" fill="hold">
+                            <p:stCondLst>
+                              <p:cond delay="0"/>
+                            </p:stCondLst>
+                            <p:childTnLst>
+                              <p:par>
+                                <p:cTn id="9" presetID="1" presetClass="entr" presetSubtype="0" fill="hold" grpId="0" nodeType="clickEffect">
+                                  <p:stCondLst>
+                                    <p:cond delay="0"/>
+                                  </p:stCondLst>
+                                  <p:childTnLst>
+                                    <p:set>
+                                      <p:cBhvr>
+                                        <p:cTn id="10" dur="1" fill="hold">
+                                          <p:stCondLst>
+                                            <p:cond delay="0"/>
+                                          </p:stCondLst>
+                                        </p:cTn>
+                                        <p:tgtEl>
+                                          <p:spTgt spid="60"/>
+                                        </p:tgtEl>
+                                        <p:attrNameLst>
+                                          <p:attrName>style.visibility</p:attrName>
+                                        </p:attrNameLst>
+                                      </p:cBhvr>
+                                      <p:to>
+                                        <p:strVal val="visible"/>
+                                      </p:to>
+                                    </p:set>
+                                  </p:childTnLst>
+                                </p:cTn>
+                              </p:par>
+                            </p:childTnLst>
+                          </p:cTn>
+                        </p:par>
+                      </p:childTnLst>
+                    </p:cTn>
+                  </p:par>
+                </p:childTnLst>
+              </p:cTn>
+              <p:prevCondLst>
+                <p:cond evt="onPrev" delay="0">
+                  <p:tgtEl>
+                    <p:sldTgt/>
+                  </p:tgtEl>
+                </p:cond>
+              </p:prevCondLst>
+              <p:nextCondLst>
+                <p:cond evt="onNext" delay="0">
+                  <p:tgtEl>
+                    <p:sldTgt/>
+                  </p:tgtEl>
+                </p:cond>
+              </p:nextCondLst>
+            </p:seq>
+          </p:childTnLst>
+        </p:cTn>
+      </p:par>
+    </p:tnLst>
+    <p:bldLst>
+      <p:bldP spid="59" grpId="0" animBg="1"/>
+      <p:bldP spid="60" grpId="0" animBg="1"/>
+    </p:bldLst>
+  </p:timing>
+</p:sld>
+</file>
+
+<file path=ppt/slides/slide22.xml><?xml version="1.0" encoding="utf-8"?>
+<p:sld xmlns:a="http://schemas.openxmlformats.org/drawingml/2006/main" xmlns:r="http://schemas.openxmlformats.org/officeDocument/2006/relationships" xmlns:p="http://schemas.openxmlformats.org/presentationml/2006/main">
+  <p:cSld>
+    <p:spTree>
+      <p:nvGrpSpPr>
+        <p:cNvPr id="1" name=""/>
+        <p:cNvGrpSpPr/>
+        <p:nvPr/>
+      </p:nvGrpSpPr>
+      <p:grpSpPr>
+        <a:xfrm>
+          <a:off x="0" y="0"/>
+          <a:ext cx="0" cy="0"/>
+          <a:chOff x="0" y="0"/>
+          <a:chExt cx="0" cy="0"/>
+        </a:xfrm>
+      </p:grpSpPr>
+      <p:sp>
+        <p:nvSpPr>
+          <p:cNvPr id="41" name="Title 1">
+            <a:extLst>
+              <a:ext uri="{FF2B5EF4-FFF2-40B4-BE49-F238E27FC236}">
+                <a16:creationId xmlns:a16="http://schemas.microsoft.com/office/drawing/2014/main" id="{1117A615-A566-4F79-97FB-572F0C171F41}"/>
+              </a:ext>
+            </a:extLst>
+          </p:cNvPr>
+          <p:cNvSpPr>
+            <a:spLocks noGrp="1"/>
+          </p:cNvSpPr>
+          <p:nvPr>
+            <p:ph type="title"/>
+          </p:nvPr>
+        </p:nvSpPr>
+        <p:spPr>
+          <a:xfrm>
+            <a:off x="838200" y="365125"/>
+            <a:ext cx="10515600" cy="1325563"/>
+          </a:xfrm>
+        </p:spPr>
+        <p:txBody>
+          <a:bodyPr/>
+          <a:lstStyle/>
+          <a:p>
+            <a:r>
+              <a:rPr lang="sv-SE" b="1" dirty="0"/>
+              <a:t>Starcounter – Object Graphs</a:t>
+            </a:r>
+          </a:p>
+        </p:txBody>
+      </p:sp>
+      <p:grpSp>
+        <p:nvGrpSpPr>
+          <p:cNvPr id="50" name="Group 49">
+            <a:extLst>
+              <a:ext uri="{FF2B5EF4-FFF2-40B4-BE49-F238E27FC236}">
+                <a16:creationId xmlns:a16="http://schemas.microsoft.com/office/drawing/2014/main" id="{FF22FA32-7A05-4575-9A50-4E2044806709}"/>
+              </a:ext>
+            </a:extLst>
+          </p:cNvPr>
+          <p:cNvGrpSpPr/>
+          <p:nvPr/>
+        </p:nvGrpSpPr>
+        <p:grpSpPr>
+          <a:xfrm>
+            <a:off x="1857059" y="1961570"/>
+            <a:ext cx="8477882" cy="1391228"/>
+            <a:chOff x="1821363" y="2429656"/>
+            <a:chExt cx="8477882" cy="1391228"/>
+          </a:xfrm>
+        </p:grpSpPr>
+        <p:sp>
+          <p:nvSpPr>
+            <p:cNvPr id="51" name="Rectangle: Top Corners Rounded 79">
+              <a:extLst>
+                <a:ext uri="{FF2B5EF4-FFF2-40B4-BE49-F238E27FC236}">
+                  <a16:creationId xmlns:a16="http://schemas.microsoft.com/office/drawing/2014/main" id="{760625EC-89D8-43C8-A3C1-6B78A8264FD3}"/>
+                </a:ext>
+              </a:extLst>
+            </p:cNvPr>
+            <p:cNvSpPr/>
+            <p:nvPr/>
+          </p:nvSpPr>
+          <p:spPr>
+            <a:xfrm>
+              <a:off x="4113458" y="2429657"/>
+              <a:ext cx="1528063" cy="1391227"/>
+            </a:xfrm>
+            <a:prstGeom prst="rect">
+              <a:avLst/>
+            </a:prstGeom>
+            <a:solidFill>
+              <a:srgbClr val="05CFFF"/>
+            </a:solidFill>
+            <a:ln w="19050">
+              <a:noFill/>
+            </a:ln>
+          </p:spPr>
+          <p:style>
+            <a:lnRef idx="2">
+              <a:schemeClr val="accent1">
+                <a:shade val="50000"/>
+              </a:schemeClr>
+            </a:lnRef>
+            <a:fillRef idx="1">
+              <a:schemeClr val="accent1"/>
+            </a:fillRef>
+            <a:effectRef idx="0">
+              <a:schemeClr val="accent1"/>
+            </a:effectRef>
+            <a:fontRef idx="minor">
+              <a:schemeClr val="lt1"/>
+            </a:fontRef>
+          </p:style>
+          <p:txBody>
+            <a:bodyPr rtlCol="0" anchor="ctr"/>
+            <a:lstStyle/>
+            <a:p>
+              <a:pPr algn="ctr"/>
+              <a:r>
+                <a:rPr lang="sv-SE" b="1" dirty="0">
+                  <a:solidFill>
+                    <a:schemeClr val="tx1"/>
+                  </a:solidFill>
+                </a:rPr>
+                <a:t>Order</a:t>
+              </a:r>
+            </a:p>
+          </p:txBody>
+        </p:sp>
+        <p:sp>
+          <p:nvSpPr>
+            <p:cNvPr id="52" name="Rectangle: Top Corners Rounded 79">
+              <a:extLst>
+                <a:ext uri="{FF2B5EF4-FFF2-40B4-BE49-F238E27FC236}">
+                  <a16:creationId xmlns:a16="http://schemas.microsoft.com/office/drawing/2014/main" id="{9D3CB3FD-8537-434A-ADC1-F91B7A947DE3}"/>
+                </a:ext>
+              </a:extLst>
+            </p:cNvPr>
+            <p:cNvSpPr/>
+            <p:nvPr/>
+          </p:nvSpPr>
+          <p:spPr>
+            <a:xfrm>
+              <a:off x="6442320" y="2429656"/>
+              <a:ext cx="1528063" cy="1391227"/>
+            </a:xfrm>
+            <a:prstGeom prst="rect">
+              <a:avLst/>
+            </a:prstGeom>
+            <a:solidFill>
+              <a:srgbClr val="05CFFF"/>
+            </a:solidFill>
+            <a:ln w="19050">
+              <a:noFill/>
+            </a:ln>
+          </p:spPr>
+          <p:style>
+            <a:lnRef idx="2">
+              <a:schemeClr val="accent1">
+                <a:shade val="50000"/>
+              </a:schemeClr>
+            </a:lnRef>
+            <a:fillRef idx="1">
+              <a:schemeClr val="accent1"/>
+            </a:fillRef>
+            <a:effectRef idx="0">
+              <a:schemeClr val="accent1"/>
+            </a:effectRef>
+            <a:fontRef idx="minor">
+              <a:schemeClr val="lt1"/>
+            </a:fontRef>
+          </p:style>
+          <p:txBody>
+            <a:bodyPr rtlCol="0" anchor="ctr"/>
+            <a:lstStyle/>
+            <a:p>
+              <a:pPr algn="ctr"/>
+              <a:r>
+                <a:rPr lang="sv-SE" b="1" dirty="0">
+                  <a:solidFill>
+                    <a:schemeClr val="tx1"/>
+                  </a:solidFill>
+                </a:rPr>
+                <a:t>OrderDetail</a:t>
+              </a:r>
+            </a:p>
+          </p:txBody>
+        </p:sp>
+        <p:sp>
+          <p:nvSpPr>
+            <p:cNvPr id="53" name="Rectangle: Top Corners Rounded 79">
+              <a:extLst>
+                <a:ext uri="{FF2B5EF4-FFF2-40B4-BE49-F238E27FC236}">
+                  <a16:creationId xmlns:a16="http://schemas.microsoft.com/office/drawing/2014/main" id="{6938EC0B-E500-46F0-8381-117E8F6AB67D}"/>
+                </a:ext>
+              </a:extLst>
+            </p:cNvPr>
+            <p:cNvSpPr/>
+            <p:nvPr/>
+          </p:nvSpPr>
+          <p:spPr>
+            <a:xfrm>
+              <a:off x="8771182" y="2429656"/>
+              <a:ext cx="1528063" cy="1391227"/>
+            </a:xfrm>
+            <a:prstGeom prst="rect">
+              <a:avLst/>
+            </a:prstGeom>
+            <a:solidFill>
+              <a:srgbClr val="05CFFF"/>
+            </a:solidFill>
+            <a:ln w="19050">
+              <a:noFill/>
+            </a:ln>
+          </p:spPr>
+          <p:style>
+            <a:lnRef idx="2">
+              <a:schemeClr val="accent1">
+                <a:shade val="50000"/>
+              </a:schemeClr>
+            </a:lnRef>
+            <a:fillRef idx="1">
+              <a:schemeClr val="accent1"/>
+            </a:fillRef>
+            <a:effectRef idx="0">
+              <a:schemeClr val="accent1"/>
+            </a:effectRef>
+            <a:fontRef idx="minor">
+              <a:schemeClr val="lt1"/>
+            </a:fontRef>
+          </p:style>
+          <p:txBody>
+            <a:bodyPr rtlCol="0" anchor="ctr"/>
+            <a:lstStyle/>
+            <a:p>
+              <a:pPr algn="ctr"/>
+              <a:r>
+                <a:rPr lang="sv-SE" b="1" dirty="0">
+                  <a:solidFill>
+                    <a:schemeClr val="tx1"/>
+                  </a:solidFill>
+                </a:rPr>
+                <a:t>Product</a:t>
+              </a:r>
+            </a:p>
+          </p:txBody>
+        </p:sp>
+        <p:cxnSp>
+          <p:nvCxnSpPr>
+            <p:cNvPr id="54" name="Straight Arrow Connector 53">
+              <a:extLst>
+                <a:ext uri="{FF2B5EF4-FFF2-40B4-BE49-F238E27FC236}">
+                  <a16:creationId xmlns:a16="http://schemas.microsoft.com/office/drawing/2014/main" id="{848D2F07-D3BD-43D2-BA74-A37C058724B9}"/>
+                </a:ext>
+              </a:extLst>
+            </p:cNvPr>
+            <p:cNvCxnSpPr>
+              <a:cxnSpLocks/>
+              <a:stCxn id="51" idx="3"/>
+              <a:endCxn id="52" idx="1"/>
+            </p:cNvCxnSpPr>
+            <p:nvPr/>
+          </p:nvCxnSpPr>
+          <p:spPr>
+            <a:xfrm flipV="1">
+              <a:off x="5641521" y="3125270"/>
+              <a:ext cx="800799" cy="1"/>
+            </a:xfrm>
+            <a:prstGeom prst="straightConnector1">
+              <a:avLst/>
+            </a:prstGeom>
+            <a:ln w="50800">
+              <a:solidFill>
+                <a:srgbClr val="FF4343"/>
+              </a:solidFill>
+              <a:headEnd type="oval" w="med" len="med"/>
+              <a:tailEnd type="oval" w="med" len="med"/>
+            </a:ln>
+          </p:spPr>
+          <p:style>
+            <a:lnRef idx="1">
+              <a:schemeClr val="accent1"/>
+            </a:lnRef>
+            <a:fillRef idx="0">
+              <a:schemeClr val="accent1"/>
+            </a:fillRef>
+            <a:effectRef idx="0">
+              <a:schemeClr val="accent1"/>
+            </a:effectRef>
+            <a:fontRef idx="minor">
+              <a:schemeClr val="tx1"/>
+            </a:fontRef>
+          </p:style>
+        </p:cxnSp>
+        <p:cxnSp>
+          <p:nvCxnSpPr>
+            <p:cNvPr id="55" name="Straight Arrow Connector 54">
+              <a:extLst>
+                <a:ext uri="{FF2B5EF4-FFF2-40B4-BE49-F238E27FC236}">
+                  <a16:creationId xmlns:a16="http://schemas.microsoft.com/office/drawing/2014/main" id="{B5E11467-CE29-4113-A23E-9322BA68EC58}"/>
+                </a:ext>
+              </a:extLst>
+            </p:cNvPr>
+            <p:cNvCxnSpPr>
+              <a:cxnSpLocks/>
+              <a:stCxn id="53" idx="1"/>
+              <a:endCxn id="52" idx="3"/>
+            </p:cNvCxnSpPr>
+            <p:nvPr/>
+          </p:nvCxnSpPr>
+          <p:spPr>
+            <a:xfrm flipH="1">
+              <a:off x="7970383" y="3125270"/>
+              <a:ext cx="800799" cy="0"/>
+            </a:xfrm>
+            <a:prstGeom prst="straightConnector1">
+              <a:avLst/>
+            </a:prstGeom>
+            <a:ln w="50800">
+              <a:solidFill>
+                <a:srgbClr val="FF4343"/>
+              </a:solidFill>
+              <a:headEnd type="oval" w="med" len="med"/>
+              <a:tailEnd type="oval" w="med" len="med"/>
+            </a:ln>
+          </p:spPr>
+          <p:style>
+            <a:lnRef idx="1">
+              <a:schemeClr val="accent1"/>
+            </a:lnRef>
+            <a:fillRef idx="0">
+              <a:schemeClr val="accent1"/>
+            </a:fillRef>
+            <a:effectRef idx="0">
+              <a:schemeClr val="accent1"/>
+            </a:effectRef>
+            <a:fontRef idx="minor">
+              <a:schemeClr val="tx1"/>
+            </a:fontRef>
+          </p:style>
+        </p:cxnSp>
+        <p:sp>
+          <p:nvSpPr>
+            <p:cNvPr id="56" name="Rectangle: Top Corners Rounded 79">
+              <a:extLst>
+                <a:ext uri="{FF2B5EF4-FFF2-40B4-BE49-F238E27FC236}">
+                  <a16:creationId xmlns:a16="http://schemas.microsoft.com/office/drawing/2014/main" id="{5C5E7563-5095-4298-B83F-8AD198A88848}"/>
+                </a:ext>
+              </a:extLst>
+            </p:cNvPr>
+            <p:cNvSpPr/>
+            <p:nvPr/>
+          </p:nvSpPr>
+          <p:spPr>
+            <a:xfrm>
+              <a:off x="1821363" y="2429656"/>
+              <a:ext cx="1528063" cy="1391227"/>
+            </a:xfrm>
+            <a:prstGeom prst="rect">
+              <a:avLst/>
+            </a:prstGeom>
+            <a:solidFill>
+              <a:srgbClr val="05CFFF"/>
+            </a:solidFill>
+            <a:ln w="19050">
+              <a:noFill/>
+            </a:ln>
+          </p:spPr>
+          <p:style>
+            <a:lnRef idx="2">
+              <a:schemeClr val="accent1">
+                <a:shade val="50000"/>
+              </a:schemeClr>
+            </a:lnRef>
+            <a:fillRef idx="1">
+              <a:schemeClr val="accent1"/>
+            </a:fillRef>
+            <a:effectRef idx="0">
+              <a:schemeClr val="accent1"/>
+            </a:effectRef>
+            <a:fontRef idx="minor">
+              <a:schemeClr val="lt1"/>
+            </a:fontRef>
+          </p:style>
+          <p:txBody>
+            <a:bodyPr rtlCol="0" anchor="ctr"/>
+            <a:lstStyle/>
+            <a:p>
+              <a:pPr algn="ctr"/>
+              <a:r>
+                <a:rPr lang="sv-SE" b="1" dirty="0">
+                  <a:solidFill>
+                    <a:schemeClr val="tx1"/>
+                  </a:solidFill>
+                </a:rPr>
+                <a:t>Customer</a:t>
+              </a:r>
+            </a:p>
+          </p:txBody>
+        </p:sp>
+        <p:cxnSp>
+          <p:nvCxnSpPr>
+            <p:cNvPr id="57" name="Straight Arrow Connector 56">
+              <a:extLst>
+                <a:ext uri="{FF2B5EF4-FFF2-40B4-BE49-F238E27FC236}">
+                  <a16:creationId xmlns:a16="http://schemas.microsoft.com/office/drawing/2014/main" id="{9A9A0EE3-4E47-45C1-B7AE-AB19D1F57C2D}"/>
+                </a:ext>
+              </a:extLst>
+            </p:cNvPr>
+            <p:cNvCxnSpPr>
+              <a:cxnSpLocks/>
+              <a:stCxn id="56" idx="3"/>
+              <a:endCxn id="51" idx="1"/>
+            </p:cNvCxnSpPr>
+            <p:nvPr/>
+          </p:nvCxnSpPr>
+          <p:spPr>
+            <a:xfrm>
+              <a:off x="3349426" y="3125270"/>
+              <a:ext cx="764032" cy="1"/>
+            </a:xfrm>
+            <a:prstGeom prst="straightConnector1">
+              <a:avLst/>
+            </a:prstGeom>
+            <a:ln w="50800">
+              <a:solidFill>
+                <a:srgbClr val="FF4343"/>
+              </a:solidFill>
+              <a:headEnd type="oval" w="med" len="med"/>
+              <a:tailEnd type="oval" w="med" len="med"/>
+            </a:ln>
+          </p:spPr>
+          <p:style>
+            <a:lnRef idx="1">
+              <a:schemeClr val="accent1"/>
+            </a:lnRef>
+            <a:fillRef idx="0">
+              <a:schemeClr val="accent1"/>
+            </a:fillRef>
+            <a:effectRef idx="0">
+              <a:schemeClr val="accent1"/>
+            </a:effectRef>
+            <a:fontRef idx="minor">
+              <a:schemeClr val="tx1"/>
+            </a:fontRef>
+          </p:style>
+        </p:cxnSp>
+      </p:grpSp>
+      <p:sp>
+        <p:nvSpPr>
+          <p:cNvPr id="58" name="TextBox 57">
+            <a:extLst>
+              <a:ext uri="{FF2B5EF4-FFF2-40B4-BE49-F238E27FC236}">
+                <a16:creationId xmlns:a16="http://schemas.microsoft.com/office/drawing/2014/main" id="{7319DD49-2997-4C5E-9707-CD82271D1397}"/>
+              </a:ext>
+            </a:extLst>
+          </p:cNvPr>
+          <p:cNvSpPr txBox="1"/>
+          <p:nvPr/>
+        </p:nvSpPr>
+        <p:spPr>
+          <a:xfrm>
+            <a:off x="1857059" y="3755571"/>
+            <a:ext cx="8477882" cy="830997"/>
+          </a:xfrm>
+          <a:prstGeom prst="rect">
+            <a:avLst/>
+          </a:prstGeom>
+          <a:noFill/>
+        </p:spPr>
+        <p:txBody>
+          <a:bodyPr wrap="square" rtlCol="0">
+            <a:spAutoFit/>
+          </a:bodyPr>
+          <a:lstStyle/>
+          <a:p>
+            <a:r>
+              <a:rPr lang="sv-SE" sz="2400" b="1" dirty="0"/>
+              <a:t>Chasing Pointers</a:t>
+            </a:r>
+            <a:br>
+              <a:rPr lang="sv-SE" sz="2400" dirty="0"/>
+            </a:br>
+            <a:r>
+              <a:rPr lang="sv-SE" sz="2400" dirty="0"/>
+              <a:t>Traversing relations are simple pointer traversals</a:t>
+            </a:r>
+          </a:p>
+        </p:txBody>
+      </p:sp>
+    </p:spTree>
+    <p:extLst>
+      <p:ext uri="{BB962C8B-B14F-4D97-AF65-F5344CB8AC3E}">
+        <p14:creationId xmlns:p14="http://schemas.microsoft.com/office/powerpoint/2010/main" val="4006901452"/>
+      </p:ext>
+    </p:extLst>
+  </p:cSld>
+  <p:clrMapOvr>
+    <a:masterClrMapping/>
+  </p:clrMapOvr>
+</p:sld>
+</file>
+
+<file path=ppt/slides/slide23.xml><?xml version="1.0" encoding="utf-8"?>
+<p:sld xmlns:a="http://schemas.openxmlformats.org/drawingml/2006/main" xmlns:r="http://schemas.openxmlformats.org/officeDocument/2006/relationships" xmlns:p="http://schemas.openxmlformats.org/presentationml/2006/main">
+  <p:cSld>
+    <p:spTree>
+      <p:nvGrpSpPr>
+        <p:cNvPr id="1" name=""/>
+        <p:cNvGrpSpPr/>
+        <p:nvPr/>
+      </p:nvGrpSpPr>
+      <p:grpSpPr>
+        <a:xfrm>
+          <a:off x="0" y="0"/>
+          <a:ext cx="0" cy="0"/>
+          <a:chOff x="0" y="0"/>
+          <a:chExt cx="0" cy="0"/>
+        </a:xfrm>
+      </p:grpSpPr>
+      <p:sp>
+        <p:nvSpPr>
+          <p:cNvPr id="6" name="Rectangle 5">
+            <a:extLst>
+              <a:ext uri="{FF2B5EF4-FFF2-40B4-BE49-F238E27FC236}">
+                <a16:creationId xmlns:a16="http://schemas.microsoft.com/office/drawing/2014/main" id="{AD8EDB02-5740-430D-9545-7CB3FFA49C83}"/>
+              </a:ext>
+            </a:extLst>
+          </p:cNvPr>
+          <p:cNvSpPr/>
+          <p:nvPr/>
+        </p:nvSpPr>
+        <p:spPr>
+          <a:xfrm>
+            <a:off x="0" y="2497160"/>
+            <a:ext cx="12192000" cy="1846556"/>
+          </a:xfrm>
+          <a:prstGeom prst="rect">
+            <a:avLst/>
+          </a:prstGeom>
+          <a:solidFill>
+            <a:srgbClr val="194461"/>
+          </a:solidFill>
+          <a:ln>
+            <a:noFill/>
+          </a:ln>
+        </p:spPr>
+        <p:style>
+          <a:lnRef idx="2">
+            <a:schemeClr val="accent1">
+              <a:shade val="50000"/>
+            </a:schemeClr>
+          </a:lnRef>
+          <a:fillRef idx="1">
+            <a:schemeClr val="accent1"/>
+          </a:fillRef>
+          <a:effectRef idx="0">
+            <a:schemeClr val="accent1"/>
+          </a:effectRef>
+          <a:fontRef idx="minor">
+            <a:schemeClr val="lt1"/>
+          </a:fontRef>
+        </p:style>
+        <p:txBody>
+          <a:bodyPr rtlCol="0" anchor="ctr"/>
+          <a:lstStyle/>
+          <a:p>
+            <a:pPr algn="ctr"/>
+            <a:endParaRPr lang="sv-SE"/>
+          </a:p>
+        </p:txBody>
+      </p:sp>
+      <p:sp>
+        <p:nvSpPr>
+          <p:cNvPr id="7" name="Title 1">
+            <a:extLst>
+              <a:ext uri="{FF2B5EF4-FFF2-40B4-BE49-F238E27FC236}">
+                <a16:creationId xmlns:a16="http://schemas.microsoft.com/office/drawing/2014/main" id="{FFFA5A6B-6C12-4D71-A55D-79FE94D41563}"/>
+              </a:ext>
+            </a:extLst>
+          </p:cNvPr>
+          <p:cNvSpPr>
+            <a:spLocks noGrp="1"/>
+          </p:cNvSpPr>
+          <p:nvPr>
+            <p:ph type="title"/>
+          </p:nvPr>
+        </p:nvSpPr>
+        <p:spPr>
+          <a:xfrm>
+            <a:off x="838200" y="2757657"/>
+            <a:ext cx="10515600" cy="1325563"/>
+          </a:xfrm>
+        </p:spPr>
+        <p:txBody>
+          <a:bodyPr>
+            <a:normAutofit/>
+          </a:bodyPr>
+          <a:lstStyle/>
+          <a:p>
+            <a:pPr algn="ctr"/>
+            <a:r>
+              <a:rPr lang="sv-SE" sz="8000" b="1" i="1" dirty="0">
+                <a:latin typeface="Lobster Two" panose="02000506000000020003" pitchFamily="50" charset="0"/>
+              </a:rPr>
               <a:t>The Future of Hardware</a:t>
             </a:r>
           </a:p>
@@ -22930,7 +24338,7 @@
 </p:sld>
 </file>
 
-<file path=ppt/slides/slide21.xml><?xml version="1.0" encoding="utf-8"?>
+<file path=ppt/slides/slide24.xml><?xml version="1.0" encoding="utf-8"?>
 <p:sld xmlns:a="http://schemas.openxmlformats.org/drawingml/2006/main" xmlns:r="http://schemas.openxmlformats.org/officeDocument/2006/relationships" xmlns:p="http://schemas.openxmlformats.org/presentationml/2006/main">
   <p:cSld>
     <p:spTree>
@@ -22990,7 +24398,7 @@
 </p:sld>
 </file>
 
-<file path=ppt/slides/slide22.xml><?xml version="1.0" encoding="utf-8"?>
+<file path=ppt/slides/slide25.xml><?xml version="1.0" encoding="utf-8"?>
 <p:sld xmlns:a="http://schemas.openxmlformats.org/drawingml/2006/main" xmlns:r="http://schemas.openxmlformats.org/officeDocument/2006/relationships" xmlns:p="http://schemas.openxmlformats.org/presentationml/2006/main">
   <p:cSld>
     <p:spTree>
@@ -23110,7 +24518,7 @@
 </p:sld>
 </file>
 
-<file path=ppt/slides/slide23.xml><?xml version="1.0" encoding="utf-8"?>
+<file path=ppt/slides/slide26.xml><?xml version="1.0" encoding="utf-8"?>
 <p:sld xmlns:a="http://schemas.openxmlformats.org/drawingml/2006/main" xmlns:r="http://schemas.openxmlformats.org/officeDocument/2006/relationships" xmlns:p="http://schemas.openxmlformats.org/presentationml/2006/main">
   <p:cSld>
     <p:spTree>
@@ -23230,7 +24638,7 @@
 </p:sld>
 </file>
 
-<file path=ppt/slides/slide24.xml><?xml version="1.0" encoding="utf-8"?>
+<file path=ppt/slides/slide27.xml><?xml version="1.0" encoding="utf-8"?>
 <p:sld xmlns:a="http://schemas.openxmlformats.org/drawingml/2006/main" xmlns:r="http://schemas.openxmlformats.org/officeDocument/2006/relationships" xmlns:p="http://schemas.openxmlformats.org/presentationml/2006/main">
   <p:cSld>
     <p:spTree>
@@ -27520,7 +28928,7 @@
 </p:sld>
 </file>
 
-<file path=ppt/slides/slide25.xml><?xml version="1.0" encoding="utf-8"?>
+<file path=ppt/slides/slide28.xml><?xml version="1.0" encoding="utf-8"?>
 <p:sld xmlns:a="http://schemas.openxmlformats.org/drawingml/2006/main" xmlns:r="http://schemas.openxmlformats.org/officeDocument/2006/relationships" xmlns:p="http://schemas.openxmlformats.org/presentationml/2006/main">
   <p:cSld>
     <p:spTree>
@@ -30017,8 +31425,8 @@
         </p:nvSpPr>
         <p:spPr>
           <a:xfrm>
-            <a:off x="1569036" y="4410952"/>
-            <a:ext cx="3638548" cy="504000"/>
+            <a:off x="1254710" y="4410952"/>
+            <a:ext cx="4267200" cy="504000"/>
           </a:xfrm>
           <a:prstGeom prst="roundRect">
             <a:avLst>
@@ -30030,7 +31438,7 @@
           </a:solidFill>
           <a:ln w="25400">
             <a:solidFill>
-              <a:srgbClr val="194461"/>
+              <a:srgbClr val="102B3E"/>
             </a:solidFill>
           </a:ln>
         </p:spPr>
@@ -30077,8 +31485,8 @@
         </p:nvSpPr>
         <p:spPr>
           <a:xfrm>
-            <a:off x="1569036" y="2388978"/>
-            <a:ext cx="3638548" cy="504000"/>
+            <a:off x="1254710" y="2388978"/>
+            <a:ext cx="4267200" cy="504000"/>
           </a:xfrm>
           <a:prstGeom prst="roundRect">
             <a:avLst>
@@ -30090,67 +31498,7 @@
           </a:solidFill>
           <a:ln w="25400">
             <a:solidFill>
-              <a:srgbClr val="194461"/>
-            </a:solidFill>
-          </a:ln>
-        </p:spPr>
-        <p:style>
-          <a:lnRef idx="2">
-            <a:schemeClr val="accent5">
-              <a:shade val="50000"/>
-            </a:schemeClr>
-          </a:lnRef>
-          <a:fillRef idx="1">
-            <a:schemeClr val="accent5"/>
-          </a:fillRef>
-          <a:effectRef idx="0">
-            <a:schemeClr val="accent5"/>
-          </a:effectRef>
-          <a:fontRef idx="minor">
-            <a:schemeClr val="lt1"/>
-          </a:fontRef>
-        </p:style>
-        <p:txBody>
-          <a:bodyPr rtlCol="0" anchor="ctr"/>
-          <a:lstStyle/>
-          <a:p>
-            <a:pPr algn="ctr"/>
-            <a:r>
-              <a:rPr lang="sv-SE" b="1" dirty="0"/>
-              <a:t>Network</a:t>
-            </a:r>
-            <a:endParaRPr lang="sv-SE" dirty="0"/>
-          </a:p>
-        </p:txBody>
-      </p:sp>
-      <p:sp>
-        <p:nvSpPr>
-          <p:cNvPr id="54" name="Rounded Rectangle 17">
-            <a:extLst>
-              <a:ext uri="{FF2B5EF4-FFF2-40B4-BE49-F238E27FC236}">
-                <a16:creationId xmlns:a16="http://schemas.microsoft.com/office/drawing/2014/main" id="{1D81BE6F-7AC1-47DA-B90C-E5F173E9522F}"/>
-              </a:ext>
-            </a:extLst>
-          </p:cNvPr>
-          <p:cNvSpPr/>
-          <p:nvPr/>
-        </p:nvSpPr>
-        <p:spPr>
-          <a:xfrm>
-            <a:off x="6984415" y="2388978"/>
-            <a:ext cx="3638548" cy="504000"/>
-          </a:xfrm>
-          <a:prstGeom prst="roundRect">
-            <a:avLst>
-              <a:gd name="adj" fmla="val 0"/>
-            </a:avLst>
-          </a:prstGeom>
-          <a:solidFill>
-            <a:srgbClr val="FF4343"/>
-          </a:solidFill>
-          <a:ln w="25400">
-            <a:solidFill>
-              <a:srgbClr val="194461"/>
+              <a:srgbClr val="102B3E"/>
             </a:solidFill>
           </a:ln>
         </p:spPr>
@@ -30238,6 +31586,66 @@
             <a:r>
               <a:rPr lang="sv-SE" b="1" dirty="0"/>
               <a:t>View Models</a:t>
+            </a:r>
+            <a:endParaRPr lang="sv-SE" dirty="0"/>
+          </a:p>
+        </p:txBody>
+      </p:sp>
+      <p:sp>
+        <p:nvSpPr>
+          <p:cNvPr id="54" name="Rounded Rectangle 17">
+            <a:extLst>
+              <a:ext uri="{FF2B5EF4-FFF2-40B4-BE49-F238E27FC236}">
+                <a16:creationId xmlns:a16="http://schemas.microsoft.com/office/drawing/2014/main" id="{1D81BE6F-7AC1-47DA-B90C-E5F173E9522F}"/>
+              </a:ext>
+            </a:extLst>
+          </p:cNvPr>
+          <p:cNvSpPr/>
+          <p:nvPr/>
+        </p:nvSpPr>
+        <p:spPr>
+          <a:xfrm>
+            <a:off x="6670087" y="2388978"/>
+            <a:ext cx="4267202" cy="504000"/>
+          </a:xfrm>
+          <a:prstGeom prst="roundRect">
+            <a:avLst>
+              <a:gd name="adj" fmla="val 0"/>
+            </a:avLst>
+          </a:prstGeom>
+          <a:solidFill>
+            <a:srgbClr val="FF4343"/>
+          </a:solidFill>
+          <a:ln w="25400">
+            <a:solidFill>
+              <a:srgbClr val="102B3E"/>
+            </a:solidFill>
+          </a:ln>
+        </p:spPr>
+        <p:style>
+          <a:lnRef idx="2">
+            <a:schemeClr val="accent5">
+              <a:shade val="50000"/>
+            </a:schemeClr>
+          </a:lnRef>
+          <a:fillRef idx="1">
+            <a:schemeClr val="accent5"/>
+          </a:fillRef>
+          <a:effectRef idx="0">
+            <a:schemeClr val="accent5"/>
+          </a:effectRef>
+          <a:fontRef idx="minor">
+            <a:schemeClr val="lt1"/>
+          </a:fontRef>
+        </p:style>
+        <p:txBody>
+          <a:bodyPr rtlCol="0" anchor="ctr"/>
+          <a:lstStyle/>
+          <a:p>
+            <a:pPr algn="ctr"/>
+            <a:r>
+              <a:rPr lang="sv-SE" b="1" dirty="0"/>
+              <a:t>Network</a:t>
             </a:r>
             <a:endParaRPr lang="sv-SE" dirty="0"/>
           </a:p>
